--- a/DBDesign/6_DevelopingaDataModel.pptx
+++ b/DBDesign/6_DevelopingaDataModel.pptx
@@ -2860,7 +2860,7 @@
           <a:p>
             <a:fld id="{670FF0DC-4CC6-E74B-ADE9-A3A724E54A70}" type="datetime1">
               <a:rPr lang="en-US" smtClean="0"/>
-              <a:t>3/22/19</a:t>
+              <a:t>3/26/19</a:t>
             </a:fld>
             <a:endParaRPr lang="en-US"/>
           </a:p>
@@ -3118,7 +3118,7 @@
           <a:p>
             <a:fld id="{F1FDBABF-E9B9-0B48-88BB-0E26979FE3C3}" type="datetime1">
               <a:rPr lang="en-US" smtClean="0"/>
-              <a:t>3/22/19</a:t>
+              <a:t>3/26/19</a:t>
             </a:fld>
             <a:endParaRPr lang="en-US"/>
           </a:p>
@@ -3317,7 +3317,7 @@
           <a:p>
             <a:fld id="{F1FDBABF-E9B9-0B48-88BB-0E26979FE3C3}" type="datetime1">
               <a:rPr lang="en-US" smtClean="0"/>
-              <a:t>3/22/19</a:t>
+              <a:t>3/26/19</a:t>
             </a:fld>
             <a:endParaRPr lang="en-US"/>
           </a:p>
@@ -3886,7 +3886,7 @@
           <a:p>
             <a:fld id="{1F61FEA7-45D8-2D44-B4D3-34CB831CBB98}" type="datetimeFigureOut">
               <a:rPr lang="en-US" smtClean="0"/>
-              <a:t>3/22/19</a:t>
+              <a:t>3/26/19</a:t>
             </a:fld>
             <a:endParaRPr lang="en-US"/>
           </a:p>
@@ -4190,7 +4190,7 @@
           <a:p>
             <a:fld id="{096CA4E7-51A4-4043-B144-32E78EB53B2F}" type="datetime1">
               <a:rPr lang="en-US" smtClean="0"/>
-              <a:t>3/22/19</a:t>
+              <a:t>3/26/19</a:t>
             </a:fld>
             <a:endParaRPr lang="en-US"/>
           </a:p>
@@ -4361,7 +4361,7 @@
           </a:ln>
           <a:extLst>
             <a:ext uri="{C572A759-6A51-4108-AA02-DFA0A04FC94B}">
-              <ma14:wrappingTextBoxFlag xmlns="" xmlns:ma14="http://schemas.microsoft.com/office/mac/drawingml/2011/main" val="1"/>
+              <ma14:wrappingTextBoxFlag xmlns:ma14="http://schemas.microsoft.com/office/mac/drawingml/2011/main" xmlns="" val="1"/>
             </a:ext>
           </a:extLst>
         </p:spPr>
@@ -4412,7 +4412,7 @@
           </a:ln>
           <a:extLst>
             <a:ext uri="{C572A759-6A51-4108-AA02-DFA0A04FC94B}">
-              <ma14:wrappingTextBoxFlag xmlns="" xmlns:ma14="http://schemas.microsoft.com/office/mac/drawingml/2011/main" val="1"/>
+              <ma14:wrappingTextBoxFlag xmlns:ma14="http://schemas.microsoft.com/office/mac/drawingml/2011/main" xmlns="" val="1"/>
             </a:ext>
           </a:extLst>
         </p:spPr>
@@ -5020,7 +5020,7 @@
           </a:ln>
           <a:extLst>
             <a:ext uri="{C572A759-6A51-4108-AA02-DFA0A04FC94B}">
-              <ma14:wrappingTextBoxFlag xmlns="" xmlns:ma14="http://schemas.microsoft.com/office/mac/drawingml/2011/main" val="1"/>
+              <ma14:wrappingTextBoxFlag xmlns:ma14="http://schemas.microsoft.com/office/mac/drawingml/2011/main" xmlns="" val="1"/>
             </a:ext>
           </a:extLst>
         </p:spPr>
@@ -12641,7 +12641,7 @@
           </a:ln>
           <a:extLst>
             <a:ext uri="{C572A759-6A51-4108-AA02-DFA0A04FC94B}">
-              <ma14:wrappingTextBoxFlag xmlns="" xmlns:ma14="http://schemas.microsoft.com/office/mac/drawingml/2011/main" val="1"/>
+              <ma14:wrappingTextBoxFlag xmlns:ma14="http://schemas.microsoft.com/office/mac/drawingml/2011/main" xmlns="" val="1"/>
             </a:ext>
           </a:extLst>
         </p:spPr>
@@ -13951,7 +13951,7 @@
                 <a:latin typeface="나눔고딕" panose="020D0604000000000000" pitchFamily="50" charset="-127"/>
                 <a:ea typeface="나눔고딕" panose="020D0604000000000000" pitchFamily="50" charset="-127"/>
               </a:rPr>
-              <a:t>실제 문제에 있어서 이같은 꼭 필요할 수 있습니다</a:t>
+              <a:t>실제 문제에 있어서 꼭 필요할 수 있습니다</a:t>
             </a:r>
             <a:r>
               <a:rPr lang="en-US" altLang="ko-KR" sz="2800" dirty="0">
@@ -13988,21 +13988,7 @@
                 <a:latin typeface="나눔고딕" panose="020D0604000000000000" pitchFamily="50" charset="-127"/>
                 <a:ea typeface="나눔고딕" panose="020D0604000000000000" pitchFamily="50" charset="-127"/>
               </a:rPr>
-              <a:t>중요한 것은 두 경로에 동일한 정보를 포함하지 않아 피할 수 없는 불일치가 발생하지 </a:t>
-            </a:r>
-            <a:r>
-              <a:rPr lang="ko-KR" altLang="en-US" sz="2800" dirty="0" err="1">
-                <a:latin typeface="나눔고딕" panose="020D0604000000000000" pitchFamily="50" charset="-127"/>
-                <a:ea typeface="나눔고딕" panose="020D0604000000000000" pitchFamily="50" charset="-127"/>
-              </a:rPr>
-              <a:t>않도록하는</a:t>
-            </a:r>
-            <a:r>
-              <a:rPr lang="ko-KR" altLang="en-US" sz="2800" dirty="0">
-                <a:latin typeface="나눔고딕" panose="020D0604000000000000" pitchFamily="50" charset="-127"/>
-                <a:ea typeface="나눔고딕" panose="020D0604000000000000" pitchFamily="50" charset="-127"/>
-              </a:rPr>
-              <a:t> 것입니다</a:t>
+              <a:t>중요한 것은 두 경로에 동일한 정보를 포함하지 않아 피할 수 없는 불일치가 발생하지 않도록 하는 것입니다</a:t>
             </a:r>
             <a:r>
               <a:rPr lang="en-US" altLang="ko-KR" sz="2800" dirty="0">
@@ -15300,18 +15286,11 @@
               <a:buChar char="•"/>
             </a:pPr>
             <a:r>
-              <a:rPr lang="ko-KR" altLang="en-US" sz="2800" dirty="0" err="1">
-                <a:latin typeface="나눔고딕" panose="020D0604000000000000" pitchFamily="50" charset="-127"/>
-                <a:ea typeface="나눔고딕" panose="020D0604000000000000" pitchFamily="50" charset="-127"/>
-              </a:rPr>
-              <a:t>필요로하는</a:t>
-            </a:r>
-            <a:r>
               <a:rPr lang="ko-KR" altLang="en-US" sz="2800" dirty="0">
                 <a:latin typeface="나눔고딕" panose="020D0604000000000000" pitchFamily="50" charset="-127"/>
                 <a:ea typeface="나눔고딕" panose="020D0604000000000000" pitchFamily="50" charset="-127"/>
               </a:rPr>
-              <a:t> 정보인 </a:t>
+              <a:t>필요로 하는 정보인 </a:t>
             </a:r>
             <a:r>
               <a:rPr lang="en-US" altLang="ko-KR" sz="2800" dirty="0">
@@ -15348,14 +15327,14 @@
                 <a:latin typeface="나눔고딕" panose="020D0604000000000000" pitchFamily="50" charset="-127"/>
                 <a:ea typeface="나눔고딕" panose="020D0604000000000000" pitchFamily="50" charset="-127"/>
               </a:rPr>
-              <a:t>팬 트랩에서 </a:t>
+              <a:t>팬 트랩에서</a:t>
             </a:r>
             <a:r>
               <a:rPr lang="en-US" altLang="ko-KR" sz="2800" dirty="0">
                 <a:latin typeface="나눔고딕" panose="020D0604000000000000" pitchFamily="50" charset="-127"/>
                 <a:ea typeface="나눔고딕" panose="020D0604000000000000" pitchFamily="50" charset="-127"/>
               </a:rPr>
-              <a:t>2 </a:t>
+              <a:t> </a:t>
             </a:r>
             <a:r>
               <a:rPr lang="ko-KR" altLang="en-US" sz="2800" dirty="0">
@@ -16020,35 +15999,21 @@
                 <a:latin typeface="나눔고딕" panose="020D0604000000000000" pitchFamily="50" charset="-127"/>
                 <a:ea typeface="나눔고딕" panose="020D0604000000000000" pitchFamily="50" charset="-127"/>
               </a:rPr>
-              <a:t>직원과 그룹 관계의 한쪽 </a:t>
-            </a:r>
-            <a:r>
-              <a:rPr lang="ko-KR" altLang="en-US" sz="2800" dirty="0" err="1">
-                <a:latin typeface="나눔고딕" panose="020D0604000000000000" pitchFamily="50" charset="-127"/>
-                <a:ea typeface="나눔고딕" panose="020D0604000000000000" pitchFamily="50" charset="-127"/>
-              </a:rPr>
-              <a:t>끝에있는</a:t>
+              <a:t>직원과 그룹 관계의 한쪽 끝에 있는 </a:t>
+            </a:r>
+            <a:r>
+              <a:rPr lang="en-US" altLang="ko-KR" sz="2800" dirty="0">
+                <a:latin typeface="나눔고딕" panose="020D0604000000000000" pitchFamily="50" charset="-127"/>
+                <a:ea typeface="나눔고딕" panose="020D0604000000000000" pitchFamily="50" charset="-127"/>
+              </a:rPr>
+              <a:t>optionality</a:t>
             </a:r>
             <a:r>
               <a:rPr lang="ko-KR" altLang="en-US" sz="2800" dirty="0">
                 <a:latin typeface="나눔고딕" panose="020D0604000000000000" pitchFamily="50" charset="-127"/>
                 <a:ea typeface="나눔고딕" panose="020D0604000000000000" pitchFamily="50" charset="-127"/>
               </a:rPr>
-              <a:t> </a:t>
-            </a:r>
-            <a:r>
-              <a:rPr lang="ko-KR" altLang="en-US" sz="2800" dirty="0" err="1">
-                <a:latin typeface="나눔고딕" panose="020D0604000000000000" pitchFamily="50" charset="-127"/>
-                <a:ea typeface="나눔고딕" panose="020D0604000000000000" pitchFamily="50" charset="-127"/>
-              </a:rPr>
-              <a:t>선택성은</a:t>
-            </a:r>
-            <a:r>
-              <a:rPr lang="ko-KR" altLang="en-US" sz="2800" dirty="0">
-                <a:latin typeface="나눔고딕" panose="020D0604000000000000" pitchFamily="50" charset="-127"/>
-                <a:ea typeface="나눔고딕" panose="020D0604000000000000" pitchFamily="50" charset="-127"/>
-              </a:rPr>
-              <a:t> 명시하지 않았습니다</a:t>
+              <a:t>는 명시하지 않았습니다</a:t>
             </a:r>
             <a:r>
               <a:rPr lang="en-US" altLang="ko-KR" sz="2800" dirty="0">
@@ -16910,21 +16875,7 @@
                 <a:latin typeface="나눔고딕" panose="020D0604000000000000" pitchFamily="50" charset="-127"/>
                 <a:ea typeface="나눔고딕" panose="020D0604000000000000" pitchFamily="50" charset="-127"/>
               </a:rPr>
-              <a:t>어떤 그룹에도 속하지 않을 </a:t>
-            </a:r>
-            <a:r>
-              <a:rPr lang="ko-KR" altLang="en-US" sz="2800" dirty="0" err="1">
-                <a:latin typeface="나눔고딕" panose="020D0604000000000000" pitchFamily="50" charset="-127"/>
-                <a:ea typeface="나눔고딕" panose="020D0604000000000000" pitchFamily="50" charset="-127"/>
-              </a:rPr>
-              <a:t>수있는</a:t>
-            </a:r>
-            <a:r>
-              <a:rPr lang="ko-KR" altLang="en-US" sz="2800" dirty="0">
-                <a:latin typeface="나눔고딕" panose="020D0604000000000000" pitchFamily="50" charset="-127"/>
-                <a:ea typeface="나눔고딕" panose="020D0604000000000000" pitchFamily="50" charset="-127"/>
-              </a:rPr>
-              <a:t> 직원의 예외적 인 경우를 항상 확인해야합니다</a:t>
+              <a:t>어떤 그룹에도 속하지 않는 직원의 예외적 인 경우를 항상 확인해야합니다</a:t>
             </a:r>
             <a:r>
               <a:rPr lang="en-US" altLang="ko-KR" sz="2800" dirty="0">
@@ -21331,21 +21282,7 @@
                 <a:latin typeface="나눔고딕" panose="020D0604000000000000" pitchFamily="50" charset="-127"/>
                 <a:ea typeface="나눔고딕" panose="020D0604000000000000" pitchFamily="50" charset="-127"/>
               </a:rPr>
-              <a:t>회원 및 현재 팀에 대한 데이터를 유지하는 </a:t>
-            </a:r>
-            <a:r>
-              <a:rPr lang="ko-KR" altLang="en-US" sz="2800" dirty="0" err="1">
-                <a:latin typeface="나눔고딕" panose="020D0604000000000000" pitchFamily="50" charset="-127"/>
-                <a:ea typeface="나눔고딕" panose="020D0604000000000000" pitchFamily="50" charset="-127"/>
-              </a:rPr>
-              <a:t>것외에도</a:t>
-            </a:r>
-            <a:r>
-              <a:rPr lang="ko-KR" altLang="en-US" sz="2800" dirty="0">
-                <a:latin typeface="나눔고딕" panose="020D0604000000000000" pitchFamily="50" charset="-127"/>
-                <a:ea typeface="나눔고딕" panose="020D0604000000000000" pitchFamily="50" charset="-127"/>
-              </a:rPr>
-              <a:t> 팀간 경기 또는 경기에 대한 정보를 유지하고자 할 수도 있습니다</a:t>
+              <a:t>회원 및 현재 팀에 대한 데이터를 유지하는 것 외에도 팀간 경기 또는 경기에 대한 정보를 유지하고자 할 수도 있습니다</a:t>
             </a:r>
             <a:r>
               <a:rPr lang="en-US" altLang="ko-KR" sz="2800" dirty="0">
@@ -23157,14 +23094,7 @@
                 <a:latin typeface="나눔고딕" panose="020D0604000000000000" pitchFamily="50" charset="-127"/>
                 <a:ea typeface="나눔고딕" panose="020D0604000000000000" pitchFamily="50" charset="-127"/>
               </a:rPr>
-              <a:t>모델이 </a:t>
-            </a:r>
-            <a:r>
-              <a:rPr lang="ko-KR" altLang="en-US" sz="2800" dirty="0" err="1">
-                <a:latin typeface="나눔고딕" panose="020D0604000000000000" pitchFamily="50" charset="-127"/>
-                <a:ea typeface="나눔고딕" panose="020D0604000000000000" pitchFamily="50" charset="-127"/>
-              </a:rPr>
-              <a:t>나타내는대로</a:t>
+              <a:t>모델에서 나타내는 대로</a:t>
             </a:r>
             <a:r>
               <a:rPr lang="en-US" altLang="ko-KR" sz="2800" dirty="0">
@@ -24720,14 +24650,14 @@
                 <a:latin typeface="나눔고딕" panose="020D0604000000000000" pitchFamily="50" charset="-127"/>
                 <a:ea typeface="나눔고딕" panose="020D0604000000000000" pitchFamily="50" charset="-127"/>
               </a:rPr>
-              <a:t>아마 위치</a:t>
+              <a:t>아마 포지션</a:t>
             </a:r>
             <a:r>
               <a:rPr lang="en-US" altLang="ko-KR" sz="2800" dirty="0">
                 <a:latin typeface="나눔고딕" panose="020D0604000000000000" pitchFamily="50" charset="-127"/>
                 <a:ea typeface="나눔고딕" panose="020D0604000000000000" pitchFamily="50" charset="-127"/>
               </a:rPr>
-              <a:t>.</a:t>
+              <a:t>?</a:t>
             </a:r>
           </a:p>
           <a:p>
@@ -30234,7 +30164,7 @@
           </a:ln>
           <a:extLst>
             <a:ext uri="{C572A759-6A51-4108-AA02-DFA0A04FC94B}">
-              <ma14:wrappingTextBoxFlag xmlns="" xmlns:ma14="http://schemas.microsoft.com/office/mac/drawingml/2011/main" val="1"/>
+              <ma14:wrappingTextBoxFlag xmlns:ma14="http://schemas.microsoft.com/office/mac/drawingml/2011/main" xmlns="" val="1"/>
             </a:ext>
           </a:extLst>
         </p:spPr>
@@ -30363,7 +30293,7 @@
             <a:effectLst/>
             <a:extLst>
               <a:ext uri="{C572A759-6A51-4108-AA02-DFA0A04FC94B}">
-                <ma14:wrappingTextBoxFlag xmlns="" xmlns:ma14="http://schemas.microsoft.com/office/mac/drawingml/2011/main" val="1"/>
+                <ma14:wrappingTextBoxFlag xmlns:ma14="http://schemas.microsoft.com/office/mac/drawingml/2011/main" xmlns="" val="1"/>
               </a:ext>
             </a:extLst>
           </p:spPr>
@@ -30419,7 +30349,7 @@
           </a:prstGeom>
           <a:extLst>
             <a:ext uri="{C572A759-6A51-4108-AA02-DFA0A04FC94B}">
-              <ma14:wrappingTextBoxFlag xmlns="" xmlns:ma14="http://schemas.microsoft.com/office/mac/drawingml/2011/main" val="1"/>
+              <ma14:wrappingTextBoxFlag xmlns:ma14="http://schemas.microsoft.com/office/mac/drawingml/2011/main" xmlns="" val="1"/>
             </a:ext>
           </a:extLst>
         </p:spPr>
@@ -32809,7 +32739,14 @@
                 <a:latin typeface="나눔고딕" panose="020D0604000000000000" pitchFamily="50" charset="-127"/>
                 <a:ea typeface="나눔고딕" panose="020D0604000000000000" pitchFamily="50" charset="-127"/>
               </a:rPr>
-              <a:t>정보를 속성</a:t>
+              <a:t>정보를 </a:t>
+            </a:r>
+            <a:r>
+              <a:rPr lang="ko-KR" altLang="en-US" sz="3200" dirty="0" err="1">
+                <a:latin typeface="나눔고딕" panose="020D0604000000000000" pitchFamily="50" charset="-127"/>
+                <a:ea typeface="나눔고딕" panose="020D0604000000000000" pitchFamily="50" charset="-127"/>
+              </a:rPr>
+              <a:t>애트리뷰트</a:t>
             </a:r>
             <a:r>
               <a:rPr lang="en-US" altLang="ko-KR" sz="3200" dirty="0">
@@ -32823,7 +32760,7 @@
                 <a:latin typeface="나눔고딕" panose="020D0604000000000000" pitchFamily="50" charset="-127"/>
                 <a:ea typeface="나눔고딕" panose="020D0604000000000000" pitchFamily="50" charset="-127"/>
               </a:rPr>
-              <a:t>클래스 또는 관계로 표현할 것 인가를 결정하는 데 유용한 질문은 다음과 같습니다</a:t>
+              <a:t>클래스 또는 관계로 표현할 것인가를 결정하는 데 유용한 질문은 다음과 같습니다</a:t>
             </a:r>
             <a:r>
               <a:rPr lang="en-US" altLang="ko-KR" sz="3200" dirty="0">

--- a/DBDesign/6_DevelopingaDataModel.pptx
+++ b/DBDesign/6_DevelopingaDataModel.pptx
@@ -2860,7 +2860,7 @@
           <a:p>
             <a:fld id="{670FF0DC-4CC6-E74B-ADE9-A3A724E54A70}" type="datetime1">
               <a:rPr lang="en-US" smtClean="0"/>
-              <a:t>3/26/19</a:t>
+              <a:t>4/2/19</a:t>
             </a:fld>
             <a:endParaRPr lang="en-US"/>
           </a:p>
@@ -3118,7 +3118,7 @@
           <a:p>
             <a:fld id="{F1FDBABF-E9B9-0B48-88BB-0E26979FE3C3}" type="datetime1">
               <a:rPr lang="en-US" smtClean="0"/>
-              <a:t>3/26/19</a:t>
+              <a:t>4/2/19</a:t>
             </a:fld>
             <a:endParaRPr lang="en-US"/>
           </a:p>
@@ -3317,7 +3317,7 @@
           <a:p>
             <a:fld id="{F1FDBABF-E9B9-0B48-88BB-0E26979FE3C3}" type="datetime1">
               <a:rPr lang="en-US" smtClean="0"/>
-              <a:t>3/26/19</a:t>
+              <a:t>4/2/19</a:t>
             </a:fld>
             <a:endParaRPr lang="en-US"/>
           </a:p>
@@ -3886,7 +3886,7 @@
           <a:p>
             <a:fld id="{1F61FEA7-45D8-2D44-B4D3-34CB831CBB98}" type="datetimeFigureOut">
               <a:rPr lang="en-US" smtClean="0"/>
-              <a:t>3/26/19</a:t>
+              <a:t>4/2/19</a:t>
             </a:fld>
             <a:endParaRPr lang="en-US"/>
           </a:p>
@@ -4190,7 +4190,7 @@
           <a:p>
             <a:fld id="{096CA4E7-51A4-4043-B144-32E78EB53B2F}" type="datetime1">
               <a:rPr lang="en-US" smtClean="0"/>
-              <a:t>3/26/19</a:t>
+              <a:t>4/2/19</a:t>
             </a:fld>
             <a:endParaRPr lang="en-US"/>
           </a:p>
@@ -4361,7 +4361,7 @@
           </a:ln>
           <a:extLst>
             <a:ext uri="{C572A759-6A51-4108-AA02-DFA0A04FC94B}">
-              <ma14:wrappingTextBoxFlag xmlns:ma14="http://schemas.microsoft.com/office/mac/drawingml/2011/main" xmlns="" val="1"/>
+              <ma14:wrappingTextBoxFlag xmlns="" xmlns:ma14="http://schemas.microsoft.com/office/mac/drawingml/2011/main" val="1"/>
             </a:ext>
           </a:extLst>
         </p:spPr>
@@ -4412,7 +4412,7 @@
           </a:ln>
           <a:extLst>
             <a:ext uri="{C572A759-6A51-4108-AA02-DFA0A04FC94B}">
-              <ma14:wrappingTextBoxFlag xmlns:ma14="http://schemas.microsoft.com/office/mac/drawingml/2011/main" xmlns="" val="1"/>
+              <ma14:wrappingTextBoxFlag xmlns="" xmlns:ma14="http://schemas.microsoft.com/office/mac/drawingml/2011/main" val="1"/>
             </a:ext>
           </a:extLst>
         </p:spPr>
@@ -5020,7 +5020,7 @@
           </a:ln>
           <a:extLst>
             <a:ext uri="{C572A759-6A51-4108-AA02-DFA0A04FC94B}">
-              <ma14:wrappingTextBoxFlag xmlns:ma14="http://schemas.microsoft.com/office/mac/drawingml/2011/main" xmlns="" val="1"/>
+              <ma14:wrappingTextBoxFlag xmlns="" xmlns:ma14="http://schemas.microsoft.com/office/mac/drawingml/2011/main" val="1"/>
             </a:ext>
           </a:extLst>
         </p:spPr>
@@ -12641,7 +12641,7 @@
           </a:ln>
           <a:extLst>
             <a:ext uri="{C572A759-6A51-4108-AA02-DFA0A04FC94B}">
-              <ma14:wrappingTextBoxFlag xmlns:ma14="http://schemas.microsoft.com/office/mac/drawingml/2011/main" xmlns="" val="1"/>
+              <ma14:wrappingTextBoxFlag xmlns="" xmlns:ma14="http://schemas.microsoft.com/office/mac/drawingml/2011/main" val="1"/>
             </a:ext>
           </a:extLst>
         </p:spPr>
@@ -16875,7 +16875,7 @@
                 <a:latin typeface="나눔고딕" panose="020D0604000000000000" pitchFamily="50" charset="-127"/>
                 <a:ea typeface="나눔고딕" panose="020D0604000000000000" pitchFamily="50" charset="-127"/>
               </a:rPr>
-              <a:t>어떤 그룹에도 속하지 않는 직원의 예외적 인 경우를 항상 확인해야합니다</a:t>
+              <a:t>어떤 그룹에도 속하지 않는 직원의 예외적인 경우를 항상 확인해야합니다</a:t>
             </a:r>
             <a:r>
               <a:rPr lang="en-US" altLang="ko-KR" sz="2800" dirty="0">
@@ -17944,21 +17944,7 @@
                 <a:latin typeface="나눔고딕" panose="020D0604000000000000" pitchFamily="50" charset="-127"/>
                 <a:ea typeface="나눔고딕" panose="020D0604000000000000" pitchFamily="50" charset="-127"/>
               </a:rPr>
-              <a:t>그러나 완전히 </a:t>
-            </a:r>
-            <a:r>
-              <a:rPr lang="ko-KR" altLang="en-US" sz="2800" dirty="0" err="1">
-                <a:latin typeface="나눔고딕" panose="020D0604000000000000" pitchFamily="50" charset="-127"/>
-                <a:ea typeface="나눔고딕" panose="020D0604000000000000" pitchFamily="50" charset="-127"/>
-              </a:rPr>
-              <a:t>리모델링</a:t>
-            </a:r>
-            <a:r>
-              <a:rPr lang="ko-KR" altLang="en-US" sz="2800" dirty="0">
-                <a:latin typeface="나눔고딕" panose="020D0604000000000000" pitchFamily="50" charset="-127"/>
-                <a:ea typeface="나눔고딕" panose="020D0604000000000000" pitchFamily="50" charset="-127"/>
-              </a:rPr>
-              <a:t> 해야 할 수도 있습니다</a:t>
+              <a:t>그러나 완전히 리모델링해야 할 수도 있습니다</a:t>
             </a:r>
             <a:r>
               <a:rPr lang="en-US" altLang="ko-KR" sz="2800" dirty="0">
@@ -20462,7 +20448,7 @@
                 <a:latin typeface="나눔고딕" panose="020D0604000000000000" pitchFamily="50" charset="-127"/>
                 <a:ea typeface="나눔고딕" panose="020D0604000000000000" pitchFamily="50" charset="-127"/>
               </a:rPr>
-              <a:t>관계는 서로 다른 두 클래스 간의 관계와 동일하게 여깁니다</a:t>
+              <a:t>관계는 서로 다른 두 클래스간의 관계와 동일하게 여깁니다</a:t>
             </a:r>
             <a:r>
               <a:rPr lang="en-US" altLang="ko-KR" sz="2800" dirty="0">
@@ -20492,7 +20478,7 @@
                 <a:latin typeface="나눔고딕" panose="020D0604000000000000" pitchFamily="50" charset="-127"/>
                 <a:ea typeface="나눔고딕" panose="020D0604000000000000" pitchFamily="50" charset="-127"/>
               </a:rPr>
-              <a:t>회원은 여러 회원을 후원할 수 있으며</a:t>
+              <a:t>회원은 여러 회원을 추천할 수 있으며</a:t>
             </a:r>
             <a:r>
               <a:rPr lang="ko-KR" altLang="en-US" sz="2800" dirty="0">
@@ -20506,7 +20492,7 @@
                 <a:latin typeface="나눔고딕" panose="020D0604000000000000" pitchFamily="50" charset="-127"/>
                 <a:ea typeface="나눔고딕" panose="020D0604000000000000" pitchFamily="50" charset="-127"/>
               </a:rPr>
-              <a:t>회원은 정확히 한 명의 회원으로부터 후원을 받습니다</a:t>
+              <a:t>회원은 정확히 한 명의 회원으로부터 추천을 받습니다</a:t>
             </a:r>
             <a:r>
               <a:rPr lang="en-US" altLang="ko-KR" sz="2800" dirty="0">
@@ -20529,7 +20515,7 @@
                 <a:latin typeface="나눔고딕" panose="020D0604000000000000" pitchFamily="50" charset="-127"/>
                 <a:ea typeface="나눔고딕" panose="020D0604000000000000" pitchFamily="50" charset="-127"/>
               </a:rPr>
-              <a:t>이 데이터 모델에 따르면 회원들은 자신을 후원할 수도 있습니다</a:t>
+              <a:t>이 데이터 모델에 따르면 회원들은 자신을 추천할 수도 있습니다</a:t>
             </a:r>
             <a:r>
               <a:rPr lang="en-US" altLang="ko-KR" sz="2800" dirty="0">
@@ -23902,7 +23888,7 @@
                 <a:latin typeface="나눔고딕" panose="020D0604000000000000" pitchFamily="50" charset="-127"/>
                 <a:ea typeface="나눔고딕" panose="020D0604000000000000" pitchFamily="50" charset="-127"/>
               </a:rPr>
-              <a:t>경기에서 각 팀에서 어떤 선수가 경기 했는지 정확히 알고 싶다면 그 관계를 조합하면 아무 것도 알 수 없습니다</a:t>
+              <a:t>경기에서 각 팀에서 어떤 선수가 경기를 했는지 정확히 알고 싶다면 그 관계를 조합하면 아무 것도 알 수 없습니다</a:t>
             </a:r>
             <a:r>
               <a:rPr lang="en-US" altLang="ko-KR" sz="2800" dirty="0">
@@ -23976,7 +23962,7 @@
                 <a:latin typeface="나눔고딕" panose="020D0604000000000000" pitchFamily="50" charset="-127"/>
                 <a:ea typeface="나눔고딕" panose="020D0604000000000000" pitchFamily="50" charset="-127"/>
               </a:rPr>
-              <a:t>이를 때로는 삼중 관계라고 합니다</a:t>
+              <a:t>이를 때로 삼중 관계라고 합니다</a:t>
             </a:r>
             <a:r>
               <a:rPr lang="en-US" altLang="ko-KR" sz="2800" dirty="0">
@@ -30164,7 +30150,7 @@
           </a:ln>
           <a:extLst>
             <a:ext uri="{C572A759-6A51-4108-AA02-DFA0A04FC94B}">
-              <ma14:wrappingTextBoxFlag xmlns:ma14="http://schemas.microsoft.com/office/mac/drawingml/2011/main" xmlns="" val="1"/>
+              <ma14:wrappingTextBoxFlag xmlns="" xmlns:ma14="http://schemas.microsoft.com/office/mac/drawingml/2011/main" val="1"/>
             </a:ext>
           </a:extLst>
         </p:spPr>
@@ -30293,7 +30279,7 @@
             <a:effectLst/>
             <a:extLst>
               <a:ext uri="{C572A759-6A51-4108-AA02-DFA0A04FC94B}">
-                <ma14:wrappingTextBoxFlag xmlns:ma14="http://schemas.microsoft.com/office/mac/drawingml/2011/main" xmlns="" val="1"/>
+                <ma14:wrappingTextBoxFlag xmlns="" xmlns:ma14="http://schemas.microsoft.com/office/mac/drawingml/2011/main" val="1"/>
               </a:ext>
             </a:extLst>
           </p:spPr>
@@ -30349,7 +30335,7 @@
           </a:prstGeom>
           <a:extLst>
             <a:ext uri="{C572A759-6A51-4108-AA02-DFA0A04FC94B}">
-              <ma14:wrappingTextBoxFlag xmlns:ma14="http://schemas.microsoft.com/office/mac/drawingml/2011/main" xmlns="" val="1"/>
+              <ma14:wrappingTextBoxFlag xmlns="" xmlns:ma14="http://schemas.microsoft.com/office/mac/drawingml/2011/main" val="1"/>
             </a:ext>
           </a:extLst>
         </p:spPr>
